--- a/Prototipos/OCR1/JOINTS/Editados/Edicion de imagenes.pptx
+++ b/Prototipos/OCR1/JOINTS/Editados/Edicion de imagenes.pptx
@@ -106,6 +106,11 @@
       </a:defRPr>
     </a:lvl9pPr>
   </p:defaultTextStyle>
+  <p:extLst>
+    <p:ext uri="{EFAFB233-063F-42B5-8137-9DF3F51BA10A}">
+      <p15:sldGuideLst xmlns:p15="http://schemas.microsoft.com/office/powerpoint/2012/main"/>
+    </p:ext>
+  </p:extLst>
 </p:presentation>
 </file>
 
@@ -240,7 +245,7 @@
           <a:p>
             <a:fld id="{2481D99B-D57A-4AA1-8377-1F291A8CD41D}" type="datetimeFigureOut">
               <a:rPr lang="es-GT" smtClean="0"/>
-              <a:t>29/11/2022</a:t>
+              <a:t>30/11/2022</a:t>
             </a:fld>
             <a:endParaRPr lang="es-GT"/>
           </a:p>
@@ -410,7 +415,7 @@
           <a:p>
             <a:fld id="{2481D99B-D57A-4AA1-8377-1F291A8CD41D}" type="datetimeFigureOut">
               <a:rPr lang="es-GT" smtClean="0"/>
-              <a:t>29/11/2022</a:t>
+              <a:t>30/11/2022</a:t>
             </a:fld>
             <a:endParaRPr lang="es-GT"/>
           </a:p>
@@ -590,7 +595,7 @@
           <a:p>
             <a:fld id="{2481D99B-D57A-4AA1-8377-1F291A8CD41D}" type="datetimeFigureOut">
               <a:rPr lang="es-GT" smtClean="0"/>
-              <a:t>29/11/2022</a:t>
+              <a:t>30/11/2022</a:t>
             </a:fld>
             <a:endParaRPr lang="es-GT"/>
           </a:p>
@@ -760,7 +765,7 @@
           <a:p>
             <a:fld id="{2481D99B-D57A-4AA1-8377-1F291A8CD41D}" type="datetimeFigureOut">
               <a:rPr lang="es-GT" smtClean="0"/>
-              <a:t>29/11/2022</a:t>
+              <a:t>30/11/2022</a:t>
             </a:fld>
             <a:endParaRPr lang="es-GT"/>
           </a:p>
@@ -1004,7 +1009,7 @@
           <a:p>
             <a:fld id="{2481D99B-D57A-4AA1-8377-1F291A8CD41D}" type="datetimeFigureOut">
               <a:rPr lang="es-GT" smtClean="0"/>
-              <a:t>29/11/2022</a:t>
+              <a:t>30/11/2022</a:t>
             </a:fld>
             <a:endParaRPr lang="es-GT"/>
           </a:p>
@@ -1236,7 +1241,7 @@
           <a:p>
             <a:fld id="{2481D99B-D57A-4AA1-8377-1F291A8CD41D}" type="datetimeFigureOut">
               <a:rPr lang="es-GT" smtClean="0"/>
-              <a:t>29/11/2022</a:t>
+              <a:t>30/11/2022</a:t>
             </a:fld>
             <a:endParaRPr lang="es-GT"/>
           </a:p>
@@ -1603,7 +1608,7 @@
           <a:p>
             <a:fld id="{2481D99B-D57A-4AA1-8377-1F291A8CD41D}" type="datetimeFigureOut">
               <a:rPr lang="es-GT" smtClean="0"/>
-              <a:t>29/11/2022</a:t>
+              <a:t>30/11/2022</a:t>
             </a:fld>
             <a:endParaRPr lang="es-GT"/>
           </a:p>
@@ -1721,7 +1726,7 @@
           <a:p>
             <a:fld id="{2481D99B-D57A-4AA1-8377-1F291A8CD41D}" type="datetimeFigureOut">
               <a:rPr lang="es-GT" smtClean="0"/>
-              <a:t>29/11/2022</a:t>
+              <a:t>30/11/2022</a:t>
             </a:fld>
             <a:endParaRPr lang="es-GT"/>
           </a:p>
@@ -1816,7 +1821,7 @@
           <a:p>
             <a:fld id="{2481D99B-D57A-4AA1-8377-1F291A8CD41D}" type="datetimeFigureOut">
               <a:rPr lang="es-GT" smtClean="0"/>
-              <a:t>29/11/2022</a:t>
+              <a:t>30/11/2022</a:t>
             </a:fld>
             <a:endParaRPr lang="es-GT"/>
           </a:p>
@@ -2093,7 +2098,7 @@
           <a:p>
             <a:fld id="{2481D99B-D57A-4AA1-8377-1F291A8CD41D}" type="datetimeFigureOut">
               <a:rPr lang="es-GT" smtClean="0"/>
-              <a:t>29/11/2022</a:t>
+              <a:t>30/11/2022</a:t>
             </a:fld>
             <a:endParaRPr lang="es-GT"/>
           </a:p>
@@ -2350,7 +2355,7 @@
           <a:p>
             <a:fld id="{2481D99B-D57A-4AA1-8377-1F291A8CD41D}" type="datetimeFigureOut">
               <a:rPr lang="es-GT" smtClean="0"/>
-              <a:t>29/11/2022</a:t>
+              <a:t>30/11/2022</a:t>
             </a:fld>
             <a:endParaRPr lang="es-GT"/>
           </a:p>
@@ -2563,7 +2568,7 @@
           <a:p>
             <a:fld id="{2481D99B-D57A-4AA1-8377-1F291A8CD41D}" type="datetimeFigureOut">
               <a:rPr lang="es-GT" smtClean="0"/>
-              <a:t>29/11/2022</a:t>
+              <a:t>30/11/2022</a:t>
             </a:fld>
             <a:endParaRPr lang="es-GT"/>
           </a:p>
@@ -2968,84 +2973,105 @@
           <a:chExt cx="0" cy="0"/>
         </a:xfrm>
       </p:grpSpPr>
-      <p:pic>
-        <p:nvPicPr>
-          <p:cNvPr id="3" name="Imagen 2">
+      <p:grpSp>
+        <p:nvGrpSpPr>
+          <p:cNvPr id="2" name="Grupo 1">
             <a:extLst>
               <a:ext uri="{FF2B5EF4-FFF2-40B4-BE49-F238E27FC236}">
-                <a16:creationId xmlns:a16="http://schemas.microsoft.com/office/drawing/2014/main" id="{6BA000D7-06A0-4543-3445-05BBDB440CAD}"/>
+                <a16:creationId xmlns:a16="http://schemas.microsoft.com/office/drawing/2014/main" id="{C220B5DF-4FC6-4239-F15B-B2D9FE51B163}"/>
               </a:ext>
             </a:extLst>
           </p:cNvPr>
-          <p:cNvPicPr>
-            <a:picLocks noChangeAspect="1"/>
-          </p:cNvPicPr>
+          <p:cNvGrpSpPr/>
           <p:nvPr/>
-        </p:nvPicPr>
-        <p:blipFill>
-          <a:blip r:embed="rId2">
-            <a:extLst>
-              <a:ext uri="{28A0092B-C50C-407E-A947-70E740481C1C}">
-                <a14:useLocalDpi xmlns:a14="http://schemas.microsoft.com/office/drawing/2010/main" val="0"/>
-              </a:ext>
-            </a:extLst>
-          </a:blip>
-          <a:stretch>
-            <a:fillRect/>
-          </a:stretch>
-        </p:blipFill>
-        <p:spPr>
+        </p:nvGrpSpPr>
+        <p:grpSpPr>
           <a:xfrm>
             <a:off x="0" y="5071"/>
             <a:ext cx="8798821" cy="6852929"/>
+            <a:chOff x="0" y="5071"/>
+            <a:chExt cx="8798821" cy="6852929"/>
           </a:xfrm>
-          <a:prstGeom prst="rect">
-            <a:avLst/>
-          </a:prstGeom>
-        </p:spPr>
-      </p:pic>
-      <p:sp>
-        <p:nvSpPr>
-          <p:cNvPr id="4" name="CuadroTexto 3">
-            <a:extLst>
-              <a:ext uri="{FF2B5EF4-FFF2-40B4-BE49-F238E27FC236}">
-                <a16:creationId xmlns:a16="http://schemas.microsoft.com/office/drawing/2014/main" id="{F7693078-254E-7510-A23B-51A50BB1A9DF}"/>
-              </a:ext>
-            </a:extLst>
-          </p:cNvPr>
-          <p:cNvSpPr txBox="1"/>
-          <p:nvPr/>
-        </p:nvSpPr>
-        <p:spPr>
-          <a:xfrm>
-            <a:off x="6354357" y="2961251"/>
-            <a:ext cx="650631" cy="338554"/>
-          </a:xfrm>
-          <a:prstGeom prst="rect">
-            <a:avLst/>
-          </a:prstGeom>
-          <a:noFill/>
-        </p:spPr>
-        <p:txBody>
-          <a:bodyPr wrap="square" rtlCol="0">
-            <a:spAutoFit/>
-          </a:bodyPr>
-          <a:lstStyle/>
-          <a:p>
-            <a:r>
-              <a:rPr lang="es-GT" sz="1600" dirty="0">
-                <a:solidFill>
-                  <a:srgbClr val="E2E2E2"/>
-                </a:solidFill>
-                <a:latin typeface="Segoe UI Semibold" panose="020B0702040204020203" pitchFamily="34" charset="0"/>
-                <a:ea typeface="Segoe UI Black" panose="020B0A02040204020203" pitchFamily="34" charset="0"/>
-                <a:cs typeface="Segoe UI Semibold" panose="020B0702040204020203" pitchFamily="34" charset="0"/>
-              </a:rPr>
-              <a:t>-5.1</a:t>
-            </a:r>
-          </a:p>
-        </p:txBody>
-      </p:sp>
+        </p:grpSpPr>
+        <p:pic>
+          <p:nvPicPr>
+            <p:cNvPr id="3" name="Imagen 2">
+              <a:extLst>
+                <a:ext uri="{FF2B5EF4-FFF2-40B4-BE49-F238E27FC236}">
+                  <a16:creationId xmlns:a16="http://schemas.microsoft.com/office/drawing/2014/main" id="{6BA000D7-06A0-4543-3445-05BBDB440CAD}"/>
+                </a:ext>
+              </a:extLst>
+            </p:cNvPr>
+            <p:cNvPicPr>
+              <a:picLocks noChangeAspect="1"/>
+            </p:cNvPicPr>
+            <p:nvPr/>
+          </p:nvPicPr>
+          <p:blipFill>
+            <a:blip r:embed="rId2">
+              <a:extLst>
+                <a:ext uri="{28A0092B-C50C-407E-A947-70E740481C1C}">
+                  <a14:useLocalDpi xmlns:a14="http://schemas.microsoft.com/office/drawing/2010/main" val="0"/>
+                </a:ext>
+              </a:extLst>
+            </a:blip>
+            <a:stretch>
+              <a:fillRect/>
+            </a:stretch>
+          </p:blipFill>
+          <p:spPr>
+            <a:xfrm>
+              <a:off x="0" y="5071"/>
+              <a:ext cx="8798821" cy="6852929"/>
+            </a:xfrm>
+            <a:prstGeom prst="rect">
+              <a:avLst/>
+            </a:prstGeom>
+          </p:spPr>
+        </p:pic>
+        <p:sp>
+          <p:nvSpPr>
+            <p:cNvPr id="4" name="CuadroTexto 3">
+              <a:extLst>
+                <a:ext uri="{FF2B5EF4-FFF2-40B4-BE49-F238E27FC236}">
+                  <a16:creationId xmlns:a16="http://schemas.microsoft.com/office/drawing/2014/main" id="{F7693078-254E-7510-A23B-51A50BB1A9DF}"/>
+                </a:ext>
+              </a:extLst>
+            </p:cNvPr>
+            <p:cNvSpPr txBox="1"/>
+            <p:nvPr/>
+          </p:nvSpPr>
+          <p:spPr>
+            <a:xfrm>
+              <a:off x="6354357" y="2961251"/>
+              <a:ext cx="650631" cy="338554"/>
+            </a:xfrm>
+            <a:prstGeom prst="rect">
+              <a:avLst/>
+            </a:prstGeom>
+            <a:noFill/>
+          </p:spPr>
+          <p:txBody>
+            <a:bodyPr wrap="square" rtlCol="0">
+              <a:spAutoFit/>
+            </a:bodyPr>
+            <a:lstStyle/>
+            <a:p>
+              <a:r>
+                <a:rPr lang="es-GT" sz="1600" dirty="0">
+                  <a:solidFill>
+                    <a:srgbClr val="E2E2E2"/>
+                  </a:solidFill>
+                  <a:latin typeface="Segoe UI Semibold" panose="020B0702040204020203" pitchFamily="34" charset="0"/>
+                  <a:ea typeface="Segoe UI Black" panose="020B0A02040204020203" pitchFamily="34" charset="0"/>
+                  <a:cs typeface="Segoe UI Semibold" panose="020B0702040204020203" pitchFamily="34" charset="0"/>
+                </a:rPr>
+                <a:t>-5.1</a:t>
+              </a:r>
+            </a:p>
+          </p:txBody>
+        </p:sp>
+      </p:grpSp>
     </p:spTree>
     <p:extLst>
       <p:ext uri="{BB962C8B-B14F-4D97-AF65-F5344CB8AC3E}">
